--- a/High Level System Design/Fundamentals/1. Basic of System Design/Basic of System Design.pptx
+++ b/High Level System Design/Fundamentals/1. Basic of System Design/Basic of System Design.pptx
@@ -436,8 +436,214 @@
           <a:lstStyle/>
           <a:p>
             <a:r>
-              <a:rPr lang="en-IN" dirty="0"/>
-              <a:t>It is quite important to understand about the System design </a:t>
+              <a:rPr lang="en-US" sz="1200" b="0" i="0" kern="1200" dirty="0">
+                <a:solidFill>
+                  <a:schemeClr val="tx1"/>
+                </a:solidFill>
+                <a:effectLst/>
+                <a:latin typeface="+mn-lt"/>
+                <a:ea typeface="+mn-ea"/>
+                <a:cs typeface="+mn-cs"/>
+              </a:rPr>
+              <a:t>Today, the world's most impactful applications—from global social networks and streaming services to the financial platforms we rely on—are not built on single machines. They are </a:t>
+            </a:r>
+            <a:r>
+              <a:rPr lang="en-US" sz="1200" b="1" i="0" kern="1200" dirty="0">
+                <a:solidFill>
+                  <a:schemeClr val="tx1"/>
+                </a:solidFill>
+                <a:effectLst/>
+                <a:latin typeface="+mn-lt"/>
+                <a:ea typeface="+mn-ea"/>
+                <a:cs typeface="+mn-cs"/>
+              </a:rPr>
+              <a:t>distributed systems</a:t>
+            </a:r>
+            <a:r>
+              <a:rPr lang="en-US" sz="1200" b="0" i="0" kern="1200" dirty="0">
+                <a:solidFill>
+                  <a:schemeClr val="tx1"/>
+                </a:solidFill>
+                <a:effectLst/>
+                <a:latin typeface="+mn-lt"/>
+                <a:ea typeface="+mn-ea"/>
+                <a:cs typeface="+mn-cs"/>
+              </a:rPr>
+              <a:t>.</a:t>
+            </a:r>
+          </a:p>
+          <a:p>
+            <a:endParaRPr lang="en-US" sz="1200" b="0" i="0" kern="1200" dirty="0">
+              <a:solidFill>
+                <a:schemeClr val="tx1"/>
+              </a:solidFill>
+              <a:effectLst/>
+              <a:latin typeface="+mn-lt"/>
+              <a:ea typeface="+mn-ea"/>
+              <a:cs typeface="+mn-cs"/>
+            </a:endParaRPr>
+          </a:p>
+          <a:p>
+            <a:r>
+              <a:rPr lang="en-US" sz="1200" b="0" i="0" kern="1200" dirty="0">
+                <a:solidFill>
+                  <a:schemeClr val="tx1"/>
+                </a:solidFill>
+                <a:effectLst/>
+                <a:latin typeface="+mn-lt"/>
+                <a:ea typeface="+mn-ea"/>
+                <a:cs typeface="+mn-cs"/>
+              </a:rPr>
+              <a:t>This reality creates a fundamental shift. Building software is no longer just about writing correct code. It's about </a:t>
+            </a:r>
+            <a:r>
+              <a:rPr lang="en-US" sz="1200" b="1" i="0" kern="1200" dirty="0">
+                <a:solidFill>
+                  <a:schemeClr val="tx1"/>
+                </a:solidFill>
+                <a:effectLst/>
+                <a:latin typeface="+mn-lt"/>
+                <a:ea typeface="+mn-ea"/>
+                <a:cs typeface="+mn-cs"/>
+              </a:rPr>
+              <a:t>architecting for scale, designing for failure, and engineering for uncertainty</a:t>
+            </a:r>
+            <a:r>
+              <a:rPr lang="en-US" sz="1200" b="0" i="0" kern="1200" dirty="0">
+                <a:solidFill>
+                  <a:schemeClr val="tx1"/>
+                </a:solidFill>
+                <a:effectLst/>
+                <a:latin typeface="+mn-lt"/>
+                <a:ea typeface="+mn-ea"/>
+                <a:cs typeface="+mn-cs"/>
+              </a:rPr>
+              <a:t>.</a:t>
+            </a:r>
+          </a:p>
+          <a:p>
+            <a:r>
+              <a:rPr lang="en-US" sz="1200" b="0" i="0" kern="1200" dirty="0">
+                <a:solidFill>
+                  <a:schemeClr val="tx1"/>
+                </a:solidFill>
+                <a:effectLst/>
+                <a:latin typeface="+mn-lt"/>
+                <a:ea typeface="+mn-ea"/>
+                <a:cs typeface="+mn-cs"/>
+              </a:rPr>
+              <a:t>'Mastering Distributed System Design' is not about memorizing tools or trends. It's about internalizing the </a:t>
+            </a:r>
+            <a:r>
+              <a:rPr lang="en-US" sz="1200" b="1" i="0" kern="1200" dirty="0">
+                <a:solidFill>
+                  <a:schemeClr val="tx1"/>
+                </a:solidFill>
+                <a:effectLst/>
+                <a:latin typeface="+mn-lt"/>
+                <a:ea typeface="+mn-ea"/>
+                <a:cs typeface="+mn-cs"/>
+              </a:rPr>
+              <a:t>timeless principles</a:t>
+            </a:r>
+            <a:r>
+              <a:rPr lang="en-US" sz="1200" b="0" i="0" kern="1200" dirty="0">
+                <a:solidFill>
+                  <a:schemeClr val="tx1"/>
+                </a:solidFill>
+                <a:effectLst/>
+                <a:latin typeface="+mn-lt"/>
+                <a:ea typeface="+mn-ea"/>
+                <a:cs typeface="+mn-cs"/>
+              </a:rPr>
+              <a:t> that allow you to design systems that are resilient under load, available across the globe, and adaptable for tomorrow's demands.</a:t>
+            </a:r>
+          </a:p>
+          <a:p>
+            <a:endParaRPr lang="en-US" sz="1200" b="0" i="0" kern="1200" dirty="0">
+              <a:solidFill>
+                <a:schemeClr val="tx1"/>
+              </a:solidFill>
+              <a:effectLst/>
+              <a:latin typeface="+mn-lt"/>
+              <a:ea typeface="+mn-ea"/>
+              <a:cs typeface="+mn-cs"/>
+            </a:endParaRPr>
+          </a:p>
+          <a:p>
+            <a:r>
+              <a:rPr lang="en-US" sz="1200" b="0" i="0" kern="1200" dirty="0">
+                <a:solidFill>
+                  <a:schemeClr val="tx1"/>
+                </a:solidFill>
+                <a:effectLst/>
+                <a:latin typeface="+mn-lt"/>
+                <a:ea typeface="+mn-ea"/>
+                <a:cs typeface="+mn-cs"/>
+              </a:rPr>
+              <a:t>You will learn the language of system architects: scalability, reliability, consistency, and latency. You will learn to think in </a:t>
+            </a:r>
+            <a:r>
+              <a:rPr lang="en-US" sz="1200" b="1" i="0" kern="1200" dirty="0">
+                <a:solidFill>
+                  <a:schemeClr val="tx1"/>
+                </a:solidFill>
+                <a:effectLst/>
+                <a:latin typeface="+mn-lt"/>
+                <a:ea typeface="+mn-ea"/>
+                <a:cs typeface="+mn-cs"/>
+              </a:rPr>
+              <a:t>flows, components, and trade-offs</a:t>
+            </a:r>
+            <a:r>
+              <a:rPr lang="en-US" sz="1200" b="0" i="0" kern="1200" dirty="0">
+                <a:solidFill>
+                  <a:schemeClr val="tx1"/>
+                </a:solidFill>
+                <a:effectLst/>
+                <a:latin typeface="+mn-lt"/>
+                <a:ea typeface="+mn-ea"/>
+                <a:cs typeface="+mn-cs"/>
+              </a:rPr>
+              <a:t>.</a:t>
+            </a:r>
+          </a:p>
+          <a:p>
+            <a:r>
+              <a:rPr lang="en-US" sz="1200" b="0" i="0" kern="1200" dirty="0">
+                <a:solidFill>
+                  <a:schemeClr val="tx1"/>
+                </a:solidFill>
+                <a:effectLst/>
+                <a:latin typeface="+mn-lt"/>
+                <a:ea typeface="+mn-ea"/>
+                <a:cs typeface="+mn-cs"/>
+              </a:rPr>
+              <a:t>A warm welcome to all of you. My name is </a:t>
+            </a:r>
+            <a:r>
+              <a:rPr lang="en-US" sz="1200" b="1" i="0" kern="1200" dirty="0">
+                <a:solidFill>
+                  <a:schemeClr val="tx1"/>
+                </a:solidFill>
+                <a:effectLst/>
+                <a:latin typeface="+mn-lt"/>
+                <a:ea typeface="+mn-ea"/>
+                <a:cs typeface="+mn-cs"/>
+              </a:rPr>
+              <a:t>Vikash Chauhan</a:t>
+            </a:r>
+            <a:r>
+              <a:rPr lang="en-US" sz="1200" b="0" i="0" kern="1200" dirty="0">
+                <a:solidFill>
+                  <a:schemeClr val="tx1"/>
+                </a:solidFill>
+                <a:effectLst/>
+                <a:latin typeface="+mn-lt"/>
+                <a:ea typeface="+mn-ea"/>
+                <a:cs typeface="+mn-cs"/>
+              </a:rPr>
+              <a:t>. I'll be your guide as we unpack these concepts together, starting from the fundamentals and building up to the architectural patterns that shape our digital world.</a:t>
             </a:r>
           </a:p>
         </p:txBody>
@@ -459,7 +665,7 @@
           <a:p>
             <a:fld id="{E653DCF1-B1AC-427E-8329-29FD9F7056BC}" type="slidenum">
               <a:rPr lang="en-IN" smtClean="0"/>
-              <a:t>2</a:t>
+              <a:t>1</a:t>
             </a:fld>
             <a:endParaRPr lang="en-IN"/>
           </a:p>
@@ -468,7 +674,7 @@
     </p:spTree>
     <p:extLst>
       <p:ext uri="{BB962C8B-B14F-4D97-AF65-F5344CB8AC3E}">
-        <p14:creationId xmlns:p14="http://schemas.microsoft.com/office/powerpoint/2010/main" val="224321557"/>
+        <p14:creationId xmlns:p14="http://schemas.microsoft.com/office/powerpoint/2010/main" val="2369282358"/>
       </p:ext>
     </p:extLst>
   </p:cSld>
@@ -523,104 +729,9 @@
           <a:lstStyle/>
           <a:p>
             <a:r>
-              <a:rPr lang="en-IN" sz="1200" kern="1200" dirty="0">
-                <a:solidFill>
-                  <a:schemeClr val="tx1"/>
-                </a:solidFill>
-                <a:effectLst/>
-                <a:latin typeface="+mn-lt"/>
-                <a:ea typeface="+mn-ea"/>
-                <a:cs typeface="+mn-cs"/>
-              </a:rPr>
-              <a:t>It’s a generic system design that includes the system architecture, database design, and a brief description of systems, services, platforms, and relationships among modules. It involves making high-level decisions about scalability, reliability, performance, and maintainability.</a:t>
-            </a:r>
-          </a:p>
-          <a:p>
-            <a:r>
-              <a:rPr lang="en-IN" sz="1200" kern="1200" dirty="0">
-                <a:solidFill>
-                  <a:schemeClr val="tx1"/>
-                </a:solidFill>
-                <a:effectLst/>
-                <a:latin typeface="+mn-lt"/>
-                <a:ea typeface="+mn-ea"/>
-                <a:cs typeface="+mn-cs"/>
-              </a:rPr>
-              <a:t> </a:t>
-            </a:r>
-          </a:p>
-          <a:p>
-            <a:r>
-              <a:rPr lang="en-IN" sz="1200" kern="1200" dirty="0">
-                <a:solidFill>
-                  <a:schemeClr val="tx1"/>
-                </a:solidFill>
-                <a:effectLst/>
-                <a:latin typeface="+mn-lt"/>
-                <a:ea typeface="+mn-ea"/>
-                <a:cs typeface="+mn-cs"/>
-              </a:rPr>
-              <a:t>System design at its core is the process of defining how a system should be structured, which includes its overall architecture, what all components should be there, how many modules should be there in the system, how the interfaces should look like, how the data should flow between the modules and components to meet any specific requirement.</a:t>
-            </a:r>
-          </a:p>
-          <a:p>
-            <a:r>
-              <a:rPr lang="en-IN" sz="1200" kern="1200" dirty="0">
-                <a:solidFill>
-                  <a:schemeClr val="tx1"/>
-                </a:solidFill>
-                <a:effectLst/>
-                <a:latin typeface="+mn-lt"/>
-                <a:ea typeface="+mn-ea"/>
-                <a:cs typeface="+mn-cs"/>
-              </a:rPr>
-              <a:t> </a:t>
-            </a:r>
-          </a:p>
-          <a:p>
-            <a:r>
-              <a:rPr lang="en-IN" sz="1200" kern="1200" dirty="0">
-                <a:solidFill>
-                  <a:schemeClr val="tx1"/>
-                </a:solidFill>
-                <a:effectLst/>
-                <a:latin typeface="+mn-lt"/>
-                <a:ea typeface="+mn-ea"/>
-                <a:cs typeface="+mn-cs"/>
-              </a:rPr>
-              <a:t>But system design isn't just about drawing the diagrams on a whiteboard or on a document. It is more about critically thinking and designing the high-level architecture, taking those high-level decisions that impact not just the functional, but also the non-functional requirements of an application. Non-functional requirements like scalability, reliability, performance and maintainability of a system.</a:t>
-            </a:r>
-          </a:p>
-          <a:p>
-            <a:r>
-              <a:rPr lang="en-IN" sz="1200" kern="1200" dirty="0">
-                <a:solidFill>
-                  <a:schemeClr val="tx1"/>
-                </a:solidFill>
-                <a:effectLst/>
-                <a:latin typeface="+mn-lt"/>
-                <a:ea typeface="+mn-ea"/>
-                <a:cs typeface="+mn-cs"/>
-              </a:rPr>
-              <a:t> </a:t>
-            </a:r>
-          </a:p>
-          <a:p>
-            <a:r>
-              <a:rPr lang="en-IN" sz="1200" kern="1200" dirty="0">
-                <a:solidFill>
-                  <a:schemeClr val="tx1"/>
-                </a:solidFill>
-                <a:effectLst/>
-                <a:latin typeface="+mn-lt"/>
-                <a:ea typeface="+mn-ea"/>
-                <a:cs typeface="+mn-cs"/>
-              </a:rPr>
-              <a:t>Think about the applications that we use every day. Are these applications scalable? I think so most of the applications that we use are scalable. They are distributed. They probably have huge databases. They are running on some cloud infrastructure and behind each of these applications, there is a well thought out system design that somebody must have done before creating the application, and probably somebody is still thinking about system design to tackle the new scalability, performance and caching related issues. A good system design ensures that your system runs efficiently, it handles massive loads and it automatically recovers from failures smoothly.</a:t>
-            </a:r>
-          </a:p>
-          <a:p>
-            <a:endParaRPr lang="en-IN" dirty="0"/>
+              <a:rPr lang="en-IN" dirty="0"/>
+              <a:t>It is quite important to understand about the System design </a:t>
+            </a:r>
           </a:p>
         </p:txBody>
       </p:sp>
@@ -641,7 +752,7 @@
           <a:p>
             <a:fld id="{E653DCF1-B1AC-427E-8329-29FD9F7056BC}" type="slidenum">
               <a:rPr lang="en-IN" smtClean="0"/>
-              <a:t>3</a:t>
+              <a:t>2</a:t>
             </a:fld>
             <a:endParaRPr lang="en-IN"/>
           </a:p>
@@ -650,7 +761,7 @@
     </p:spTree>
     <p:extLst>
       <p:ext uri="{BB962C8B-B14F-4D97-AF65-F5344CB8AC3E}">
-        <p14:creationId xmlns:p14="http://schemas.microsoft.com/office/powerpoint/2010/main" val="3048698398"/>
+        <p14:creationId xmlns:p14="http://schemas.microsoft.com/office/powerpoint/2010/main" val="224321557"/>
       </p:ext>
     </p:extLst>
   </p:cSld>
@@ -714,6 +825,188 @@
                 <a:ea typeface="+mn-ea"/>
                 <a:cs typeface="+mn-cs"/>
               </a:rPr>
+              <a:t>It’s a generic system design that includes the system architecture, database design, and a brief description of systems, services, platforms, and relationships among modules. It involves making high-level decisions about scalability, reliability, performance, and maintainability.</a:t>
+            </a:r>
+          </a:p>
+          <a:p>
+            <a:r>
+              <a:rPr lang="en-IN" sz="1200" kern="1200" dirty="0">
+                <a:solidFill>
+                  <a:schemeClr val="tx1"/>
+                </a:solidFill>
+                <a:effectLst/>
+                <a:latin typeface="+mn-lt"/>
+                <a:ea typeface="+mn-ea"/>
+                <a:cs typeface="+mn-cs"/>
+              </a:rPr>
+              <a:t> </a:t>
+            </a:r>
+          </a:p>
+          <a:p>
+            <a:r>
+              <a:rPr lang="en-IN" sz="1200" kern="1200" dirty="0">
+                <a:solidFill>
+                  <a:schemeClr val="tx1"/>
+                </a:solidFill>
+                <a:effectLst/>
+                <a:latin typeface="+mn-lt"/>
+                <a:ea typeface="+mn-ea"/>
+                <a:cs typeface="+mn-cs"/>
+              </a:rPr>
+              <a:t>System design at its core is the process of defining how a system should be structured, which includes its overall architecture, what all components should be there, how many modules should be there in the system, how the interfaces should look like, how the data should flow between the modules and components to meet any specific requirement.</a:t>
+            </a:r>
+          </a:p>
+          <a:p>
+            <a:r>
+              <a:rPr lang="en-IN" sz="1200" kern="1200" dirty="0">
+                <a:solidFill>
+                  <a:schemeClr val="tx1"/>
+                </a:solidFill>
+                <a:effectLst/>
+                <a:latin typeface="+mn-lt"/>
+                <a:ea typeface="+mn-ea"/>
+                <a:cs typeface="+mn-cs"/>
+              </a:rPr>
+              <a:t> </a:t>
+            </a:r>
+          </a:p>
+          <a:p>
+            <a:r>
+              <a:rPr lang="en-IN" sz="1200" kern="1200" dirty="0">
+                <a:solidFill>
+                  <a:schemeClr val="tx1"/>
+                </a:solidFill>
+                <a:effectLst/>
+                <a:latin typeface="+mn-lt"/>
+                <a:ea typeface="+mn-ea"/>
+                <a:cs typeface="+mn-cs"/>
+              </a:rPr>
+              <a:t>But system design isn't just about drawing the diagrams on a whiteboard or on a document. It is more about critically thinking and designing the high-level architecture, taking those high-level decisions that impact not just the functional, but also the non-functional requirements of an application. Non-functional requirements like scalability, reliability, performance and maintainability of a system.</a:t>
+            </a:r>
+          </a:p>
+          <a:p>
+            <a:r>
+              <a:rPr lang="en-IN" sz="1200" kern="1200" dirty="0">
+                <a:solidFill>
+                  <a:schemeClr val="tx1"/>
+                </a:solidFill>
+                <a:effectLst/>
+                <a:latin typeface="+mn-lt"/>
+                <a:ea typeface="+mn-ea"/>
+                <a:cs typeface="+mn-cs"/>
+              </a:rPr>
+              <a:t> </a:t>
+            </a:r>
+          </a:p>
+          <a:p>
+            <a:r>
+              <a:rPr lang="en-IN" sz="1200" kern="1200" dirty="0">
+                <a:solidFill>
+                  <a:schemeClr val="tx1"/>
+                </a:solidFill>
+                <a:effectLst/>
+                <a:latin typeface="+mn-lt"/>
+                <a:ea typeface="+mn-ea"/>
+                <a:cs typeface="+mn-cs"/>
+              </a:rPr>
+              <a:t>Think about the applications that we use every day. Are these applications scalable? I think so most of the applications that we use are scalable. They are distributed. They probably have huge databases. They are running on some cloud infrastructure and behind each of these applications, there is a well thought out system design that somebody must have done before creating the application, and probably somebody is still thinking about system design to tackle the new scalability, performance and caching related issues. A good system design ensures that your system runs efficiently, it handles massive loads and it automatically recovers from failures smoothly.</a:t>
+            </a:r>
+          </a:p>
+          <a:p>
+            <a:endParaRPr lang="en-IN" dirty="0"/>
+          </a:p>
+        </p:txBody>
+      </p:sp>
+      <p:sp>
+        <p:nvSpPr>
+          <p:cNvPr id="4" name="Slide Number Placeholder 3"/>
+          <p:cNvSpPr>
+            <a:spLocks noGrp="1"/>
+          </p:cNvSpPr>
+          <p:nvPr>
+            <p:ph type="sldNum" sz="quarter" idx="5"/>
+          </p:nvPr>
+        </p:nvSpPr>
+        <p:spPr/>
+        <p:txBody>
+          <a:bodyPr/>
+          <a:lstStyle/>
+          <a:p>
+            <a:fld id="{E653DCF1-B1AC-427E-8329-29FD9F7056BC}" type="slidenum">
+              <a:rPr lang="en-IN" smtClean="0"/>
+              <a:t>3</a:t>
+            </a:fld>
+            <a:endParaRPr lang="en-IN"/>
+          </a:p>
+        </p:txBody>
+      </p:sp>
+    </p:spTree>
+    <p:extLst>
+      <p:ext uri="{BB962C8B-B14F-4D97-AF65-F5344CB8AC3E}">
+        <p14:creationId xmlns:p14="http://schemas.microsoft.com/office/powerpoint/2010/main" val="3048698398"/>
+      </p:ext>
+    </p:extLst>
+  </p:cSld>
+  <p:clrMapOvr>
+    <a:masterClrMapping/>
+  </p:clrMapOvr>
+</p:notes>
+</file>
+
+<file path=ppt/notesSlides/notesSlide4.xml><?xml version="1.0" encoding="utf-8"?>
+<p:notes xmlns:a="http://schemas.openxmlformats.org/drawingml/2006/main" xmlns:r="http://schemas.openxmlformats.org/officeDocument/2006/relationships" xmlns:p="http://schemas.openxmlformats.org/presentationml/2006/main">
+  <p:cSld>
+    <p:spTree>
+      <p:nvGrpSpPr>
+        <p:cNvPr id="1" name=""/>
+        <p:cNvGrpSpPr/>
+        <p:nvPr/>
+      </p:nvGrpSpPr>
+      <p:grpSpPr>
+        <a:xfrm>
+          <a:off x="0" y="0"/>
+          <a:ext cx="0" cy="0"/>
+          <a:chOff x="0" y="0"/>
+          <a:chExt cx="0" cy="0"/>
+        </a:xfrm>
+      </p:grpSpPr>
+      <p:sp>
+        <p:nvSpPr>
+          <p:cNvPr id="2" name="Slide Image Placeholder 1"/>
+          <p:cNvSpPr>
+            <a:spLocks noGrp="1" noRot="1" noChangeAspect="1"/>
+          </p:cNvSpPr>
+          <p:nvPr>
+            <p:ph type="sldImg"/>
+          </p:nvPr>
+        </p:nvSpPr>
+        <p:spPr/>
+      </p:sp>
+      <p:sp>
+        <p:nvSpPr>
+          <p:cNvPr id="3" name="Notes Placeholder 2"/>
+          <p:cNvSpPr>
+            <a:spLocks noGrp="1"/>
+          </p:cNvSpPr>
+          <p:nvPr>
+            <p:ph type="body" idx="1"/>
+          </p:nvPr>
+        </p:nvSpPr>
+        <p:spPr/>
+        <p:txBody>
+          <a:bodyPr/>
+          <a:lstStyle/>
+          <a:p>
+            <a:r>
+              <a:rPr lang="en-IN" sz="1200" kern="1200" dirty="0">
+                <a:solidFill>
+                  <a:schemeClr val="tx1"/>
+                </a:solidFill>
+                <a:effectLst/>
+                <a:latin typeface="+mn-lt"/>
+                <a:ea typeface="+mn-ea"/>
+                <a:cs typeface="+mn-cs"/>
+              </a:rPr>
               <a:t>Now let's talk about why system design is important. It's actually a very critical skill for building scalable, reliable, and efficient software systems. So, let's look at some of the key reasons why the system design actually matters.</a:t>
             </a:r>
           </a:p>
@@ -814,7 +1107,7 @@
 </p:notes>
 </file>
 
-<file path=ppt/notesSlides/notesSlide4.xml><?xml version="1.0" encoding="utf-8"?>
+<file path=ppt/notesSlides/notesSlide5.xml><?xml version="1.0" encoding="utf-8"?>
 <p:notes xmlns:a="http://schemas.openxmlformats.org/drawingml/2006/main" xmlns:r="http://schemas.openxmlformats.org/officeDocument/2006/relationships" xmlns:p="http://schemas.openxmlformats.org/presentationml/2006/main">
   <p:cSld>
     <p:spTree>
@@ -922,7 +1215,7 @@
 </p:notes>
 </file>
 
-<file path=ppt/notesSlides/notesSlide5.xml><?xml version="1.0" encoding="utf-8"?>
+<file path=ppt/notesSlides/notesSlide6.xml><?xml version="1.0" encoding="utf-8"?>
 <p:notes xmlns:a="http://schemas.openxmlformats.org/drawingml/2006/main" xmlns:r="http://schemas.openxmlformats.org/officeDocument/2006/relationships" xmlns:p="http://schemas.openxmlformats.org/presentationml/2006/main">
   <p:cSld>
     <p:spTree>
@@ -1116,7 +1409,7 @@
                 <a:ea typeface="+mn-ea"/>
                 <a:cs typeface="+mn-cs"/>
               </a:rPr>
-              <a:t>Second, we dive into </a:t>
+              <a:t>Second, </a:t>
             </a:r>
             <a:r>
               <a:rPr lang="en-US" sz="1200" b="1" i="0" kern="1200" dirty="0">
@@ -2867,8 +3160,8 @@
         </p:nvSpPr>
         <p:spPr>
           <a:xfrm>
-            <a:off x="2077547" y="1572764"/>
-            <a:ext cx="4991100" cy="690245"/>
+            <a:off x="1004142" y="1572764"/>
+            <a:ext cx="7530257" cy="683520"/>
           </a:xfrm>
           <a:prstGeom prst="rect">
             <a:avLst/>
@@ -2893,6 +3186,10 @@
               <a:t>Mastering</a:t>
             </a:r>
             <a:r>
+              <a:rPr lang="en-IN" sz="4350" spc="-330" dirty="0"/>
+              <a:t> Distributed</a:t>
+            </a:r>
+            <a:r>
               <a:rPr sz="4350" spc="-80" dirty="0"/>
               <a:t> </a:t>
             </a:r>
@@ -2908,7 +3205,7 @@
               <a:rPr sz="4350" spc="-275" dirty="0"/>
               <a:t>Design</a:t>
             </a:r>
-            <a:endParaRPr sz="4350"/>
+            <a:endParaRPr sz="4350" dirty="0"/>
           </a:p>
         </p:txBody>
       </p:sp>

--- a/High Level System Design/Fundamentals/1. Basic of System Design/Basic of System Design.pptx
+++ b/High Level System Design/Fundamentals/1. Basic of System Design/Basic of System Design.pptx
@@ -123,7 +123,7 @@
           <a:p>
             <a:fld id="{15405994-271B-490F-A96B-C25D27B3B34F}" type="datetimeFigureOut">
               <a:rPr lang="en-IN" smtClean="0"/>
-              <a:t>01-01-2026</a:t>
+              <a:t>02-01-2026</a:t>
             </a:fld>
             <a:endParaRPr lang="en-IN"/>
           </a:p>
@@ -1744,7 +1744,7 @@
           <a:p>
             <a:fld id="{1D8BD707-D9CF-40AE-B4C6-C98DA3205C09}" type="datetimeFigureOut">
               <a:rPr lang="en-US"/>
-              <a:t>1/1/2026</a:t>
+              <a:t>1/2/2026</a:t>
             </a:fld>
             <a:endParaRPr lang="en-US"/>
           </a:p>
@@ -1921,7 +1921,7 @@
           <a:p>
             <a:fld id="{1D8BD707-D9CF-40AE-B4C6-C98DA3205C09}" type="datetimeFigureOut">
               <a:rPr lang="en-US"/>
-              <a:t>1/1/2026</a:t>
+              <a:t>1/2/2026</a:t>
             </a:fld>
             <a:endParaRPr lang="en-US"/>
           </a:p>
@@ -2135,7 +2135,7 @@
           <a:p>
             <a:fld id="{1D8BD707-D9CF-40AE-B4C6-C98DA3205C09}" type="datetimeFigureOut">
               <a:rPr lang="en-US"/>
-              <a:t>1/1/2026</a:t>
+              <a:t>1/2/2026</a:t>
             </a:fld>
             <a:endParaRPr lang="en-US"/>
           </a:p>
@@ -2283,7 +2283,7 @@
           <a:p>
             <a:fld id="{1D8BD707-D9CF-40AE-B4C6-C98DA3205C09}" type="datetimeFigureOut">
               <a:rPr lang="en-US"/>
-              <a:t>1/1/2026</a:t>
+              <a:t>1/2/2026</a:t>
             </a:fld>
             <a:endParaRPr lang="en-US"/>
           </a:p>
@@ -2402,7 +2402,7 @@
           <a:p>
             <a:fld id="{1D8BD707-D9CF-40AE-B4C6-C98DA3205C09}" type="datetimeFigureOut">
               <a:rPr lang="en-US"/>
-              <a:t>1/1/2026</a:t>
+              <a:t>1/2/2026</a:t>
             </a:fld>
             <a:endParaRPr lang="en-US"/>
           </a:p>
@@ -2677,7 +2677,7 @@
           <a:p>
             <a:fld id="{1D8BD707-D9CF-40AE-B4C6-C98DA3205C09}" type="datetimeFigureOut">
               <a:rPr lang="en-US"/>
-              <a:t>1/1/2026</a:t>
+              <a:t>1/2/2026</a:t>
             </a:fld>
             <a:endParaRPr lang="en-US"/>
           </a:p>
@@ -3218,7 +3218,7 @@
         <p:spPr>
           <a:xfrm>
             <a:off x="3110407" y="2382819"/>
-            <a:ext cx="2924810" cy="919480"/>
+            <a:ext cx="2924810" cy="383438"/>
           </a:xfrm>
           <a:prstGeom prst="rect">
             <a:avLst/>
@@ -3239,118 +3239,11 @@
               </a:spcBef>
             </a:pPr>
             <a:r>
-              <a:rPr sz="1850" b="1" spc="-170" dirty="0">
-                <a:solidFill>
-                  <a:srgbClr val="EF6B00"/>
-                </a:solidFill>
+              <a:rPr lang="en-IN" sz="2400" dirty="0">
                 <a:latin typeface="Calibri"/>
                 <a:cs typeface="Calibri"/>
               </a:rPr>
-              <a:t>From</a:t>
-            </a:r>
-            <a:r>
-              <a:rPr sz="1850" b="1" spc="-15" dirty="0">
-                <a:solidFill>
-                  <a:srgbClr val="EF6B00"/>
-                </a:solidFill>
-                <a:latin typeface="Calibri"/>
-                <a:cs typeface="Calibri"/>
-              </a:rPr>
-              <a:t> </a:t>
-            </a:r>
-            <a:r>
-              <a:rPr sz="1850" b="1" spc="-110" dirty="0">
-                <a:solidFill>
-                  <a:srgbClr val="EF6B00"/>
-                </a:solidFill>
-                <a:latin typeface="Calibri"/>
-                <a:cs typeface="Calibri"/>
-              </a:rPr>
-              <a:t>Basics</a:t>
-            </a:r>
-            <a:r>
-              <a:rPr sz="1850" b="1" spc="-15" dirty="0">
-                <a:solidFill>
-                  <a:srgbClr val="EF6B00"/>
-                </a:solidFill>
-                <a:latin typeface="Calibri"/>
-                <a:cs typeface="Calibri"/>
-              </a:rPr>
-              <a:t> </a:t>
-            </a:r>
-            <a:r>
-              <a:rPr sz="1850" b="1" spc="-145" dirty="0">
-                <a:solidFill>
-                  <a:srgbClr val="EF6B00"/>
-                </a:solidFill>
-                <a:latin typeface="Calibri"/>
-                <a:cs typeface="Calibri"/>
-              </a:rPr>
-              <a:t>to</a:t>
-            </a:r>
-            <a:r>
-              <a:rPr sz="1850" b="1" spc="-35" dirty="0">
-                <a:solidFill>
-                  <a:srgbClr val="EF6B00"/>
-                </a:solidFill>
-                <a:latin typeface="Calibri"/>
-                <a:cs typeface="Calibri"/>
-              </a:rPr>
-              <a:t> </a:t>
-            </a:r>
-            <a:r>
-              <a:rPr sz="1850" b="1" spc="-114" dirty="0">
-                <a:solidFill>
-                  <a:srgbClr val="EF6B00"/>
-                </a:solidFill>
-                <a:latin typeface="Calibri"/>
-                <a:cs typeface="Calibri"/>
-              </a:rPr>
-              <a:t>Cracking</a:t>
-            </a:r>
-            <a:r>
-              <a:rPr sz="1850" b="1" spc="-10" dirty="0">
-                <a:solidFill>
-                  <a:srgbClr val="EF6B00"/>
-                </a:solidFill>
-                <a:latin typeface="Calibri"/>
-                <a:cs typeface="Calibri"/>
-              </a:rPr>
-              <a:t> </a:t>
-            </a:r>
-            <a:r>
-              <a:rPr sz="1850" b="1" spc="-105" dirty="0">
-                <a:solidFill>
-                  <a:srgbClr val="EF6B00"/>
-                </a:solidFill>
-                <a:latin typeface="Calibri"/>
-                <a:cs typeface="Calibri"/>
-              </a:rPr>
-              <a:t>Interviews</a:t>
-            </a:r>
-            <a:endParaRPr sz="1850" dirty="0">
-              <a:latin typeface="Calibri"/>
-              <a:cs typeface="Calibri"/>
-            </a:endParaRPr>
-          </a:p>
-          <a:p>
-            <a:pPr algn="ctr">
-              <a:lnSpc>
-                <a:spcPct val="100000"/>
-              </a:lnSpc>
-              <a:spcBef>
-                <a:spcPts val="1925"/>
-              </a:spcBef>
-            </a:pPr>
-            <a:r>
-              <a:rPr lang="en-IN" sz="2400" dirty="0">
-                <a:solidFill>
-                  <a:srgbClr val="695D46"/>
-                </a:solidFill>
-                <a:latin typeface="Arial"/>
-                <a:cs typeface="Arial"/>
-              </a:rPr>
-              <a:t>Vikash Chauhan</a:t>
+              <a:t>Basic Of System Design</a:t>
             </a:r>
             <a:endParaRPr sz="2400" dirty="0">
               <a:latin typeface="Arial"/>
